--- a/advanced Communication Coding/My presentation/M202161029-亚历克上-Presentation-Optimal_Singular_Value_Decomposition.pptx
+++ b/advanced Communication Coding/My presentation/M202161029-亚历克上-Presentation-Optimal_Singular_Value_Decomposition.pptx
@@ -12994,7 +12994,7 @@
           <a:p>
             <a:r>
               <a:rPr lang="en-US" b="1" dirty="0"/>
-              <a:t>		        ustb</a:t>
+              <a:t>		        uSTB</a:t>
             </a:r>
             <a:endParaRPr lang="en-US" b="1" dirty="0"/>
           </a:p>
